--- a/Documentation/Index presentation 1-12-2023-.pptx
+++ b/Documentation/Index presentation 1-12-2023-.pptx
@@ -247,7 +247,7 @@
           <a:p>
             <a:fld id="{0924684C-FCB7-4A1B-B96B-A0E940A29DFA}" type="datetimeFigureOut">
               <a:rPr lang="en-US" smtClean="0"/>
-              <a:t>1/11/2023</a:t>
+              <a:t>1/31/23</a:t>
             </a:fld>
             <a:endParaRPr lang="en-US"/>
           </a:p>
@@ -417,7 +417,7 @@
           <a:p>
             <a:fld id="{0924684C-FCB7-4A1B-B96B-A0E940A29DFA}" type="datetimeFigureOut">
               <a:rPr lang="en-US" smtClean="0"/>
-              <a:t>1/11/2023</a:t>
+              <a:t>1/31/23</a:t>
             </a:fld>
             <a:endParaRPr lang="en-US"/>
           </a:p>
@@ -597,7 +597,7 @@
           <a:p>
             <a:fld id="{0924684C-FCB7-4A1B-B96B-A0E940A29DFA}" type="datetimeFigureOut">
               <a:rPr lang="en-US" smtClean="0"/>
-              <a:t>1/11/2023</a:t>
+              <a:t>1/31/23</a:t>
             </a:fld>
             <a:endParaRPr lang="en-US"/>
           </a:p>
@@ -767,7 +767,7 @@
           <a:p>
             <a:fld id="{0924684C-FCB7-4A1B-B96B-A0E940A29DFA}" type="datetimeFigureOut">
               <a:rPr lang="en-US" smtClean="0"/>
-              <a:t>1/11/2023</a:t>
+              <a:t>1/31/23</a:t>
             </a:fld>
             <a:endParaRPr lang="en-US"/>
           </a:p>
@@ -1011,7 +1011,7 @@
           <a:p>
             <a:fld id="{0924684C-FCB7-4A1B-B96B-A0E940A29DFA}" type="datetimeFigureOut">
               <a:rPr lang="en-US" smtClean="0"/>
-              <a:t>1/11/2023</a:t>
+              <a:t>1/31/23</a:t>
             </a:fld>
             <a:endParaRPr lang="en-US"/>
           </a:p>
@@ -1243,7 +1243,7 @@
           <a:p>
             <a:fld id="{0924684C-FCB7-4A1B-B96B-A0E940A29DFA}" type="datetimeFigureOut">
               <a:rPr lang="en-US" smtClean="0"/>
-              <a:t>1/11/2023</a:t>
+              <a:t>1/31/23</a:t>
             </a:fld>
             <a:endParaRPr lang="en-US"/>
           </a:p>
@@ -1610,7 +1610,7 @@
           <a:p>
             <a:fld id="{0924684C-FCB7-4A1B-B96B-A0E940A29DFA}" type="datetimeFigureOut">
               <a:rPr lang="en-US" smtClean="0"/>
-              <a:t>1/11/2023</a:t>
+              <a:t>1/31/23</a:t>
             </a:fld>
             <a:endParaRPr lang="en-US"/>
           </a:p>
@@ -1728,7 +1728,7 @@
           <a:p>
             <a:fld id="{0924684C-FCB7-4A1B-B96B-A0E940A29DFA}" type="datetimeFigureOut">
               <a:rPr lang="en-US" smtClean="0"/>
-              <a:t>1/11/2023</a:t>
+              <a:t>1/31/23</a:t>
             </a:fld>
             <a:endParaRPr lang="en-US"/>
           </a:p>
@@ -1823,7 +1823,7 @@
           <a:p>
             <a:fld id="{0924684C-FCB7-4A1B-B96B-A0E940A29DFA}" type="datetimeFigureOut">
               <a:rPr lang="en-US" smtClean="0"/>
-              <a:t>1/11/2023</a:t>
+              <a:t>1/31/23</a:t>
             </a:fld>
             <a:endParaRPr lang="en-US"/>
           </a:p>
@@ -2100,7 +2100,7 @@
           <a:p>
             <a:fld id="{0924684C-FCB7-4A1B-B96B-A0E940A29DFA}" type="datetimeFigureOut">
               <a:rPr lang="en-US" smtClean="0"/>
-              <a:t>1/11/2023</a:t>
+              <a:t>1/31/23</a:t>
             </a:fld>
             <a:endParaRPr lang="en-US"/>
           </a:p>
@@ -2357,7 +2357,7 @@
           <a:p>
             <a:fld id="{0924684C-FCB7-4A1B-B96B-A0E940A29DFA}" type="datetimeFigureOut">
               <a:rPr lang="en-US" smtClean="0"/>
-              <a:t>1/11/2023</a:t>
+              <a:t>1/31/23</a:t>
             </a:fld>
             <a:endParaRPr lang="en-US"/>
           </a:p>
@@ -2570,7 +2570,7 @@
           <a:p>
             <a:fld id="{0924684C-FCB7-4A1B-B96B-A0E940A29DFA}" type="datetimeFigureOut">
               <a:rPr lang="en-US" smtClean="0"/>
-              <a:t>1/11/2023</a:t>
+              <a:t>1/31/23</a:t>
             </a:fld>
             <a:endParaRPr lang="en-US"/>
           </a:p>
@@ -3125,8 +3125,8 @@
         </p:nvSpPr>
         <p:spPr>
           <a:xfrm>
-            <a:off x="4629150" y="2233589"/>
-            <a:ext cx="4257769" cy="369332"/>
+            <a:off x="5124450" y="1825625"/>
+            <a:ext cx="2738635" cy="923330"/>
           </a:xfrm>
           <a:prstGeom prst="rect">
             <a:avLst/>
@@ -3141,13 +3141,22 @@
             <a:pPr lvl="0"/>
             <a:r>
               <a:rPr lang="en-US" b="1" dirty="0"/>
-              <a:t>Each management area to 1,000 m </a:t>
-            </a:r>
-            <a:r>
-              <a:rPr lang="en-US" b="1" dirty="0" err="1"/>
-              <a:t>isobath</a:t>
-            </a:r>
-            <a:endParaRPr lang="en-US" b="1" dirty="0"/>
+              <a:t>Each management area to:</a:t>
+            </a:r>
+          </a:p>
+          <a:p>
+            <a:pPr lvl="0"/>
+            <a:r>
+              <a:rPr lang="en-US" b="1" dirty="0"/>
+              <a:t>	1,000 m isobath</a:t>
+            </a:r>
+          </a:p>
+          <a:p>
+            <a:pPr lvl="0"/>
+            <a:r>
+              <a:rPr lang="en-US" b="1" dirty="0"/>
+              <a:t>	 300 m isobath</a:t>
+            </a:r>
           </a:p>
         </p:txBody>
       </p:sp>

--- a/Documentation/Index presentation 1-12-2023-.pptx
+++ b/Documentation/Index presentation 1-12-2023-.pptx
@@ -10,6 +10,10 @@
     <p:sldId id="258" r:id="rId4"/>
     <p:sldId id="259" r:id="rId5"/>
     <p:sldId id="261" r:id="rId6"/>
+    <p:sldId id="262" r:id="rId7"/>
+    <p:sldId id="264" r:id="rId8"/>
+    <p:sldId id="265" r:id="rId9"/>
+    <p:sldId id="266" r:id="rId10"/>
   </p:sldIdLst>
   <p:sldSz cx="9144000" cy="6858000" type="screen4x3"/>
   <p:notesSz cx="6858000" cy="9144000"/>
@@ -247,7 +251,7 @@
           <a:p>
             <a:fld id="{0924684C-FCB7-4A1B-B96B-A0E940A29DFA}" type="datetimeFigureOut">
               <a:rPr lang="en-US" smtClean="0"/>
-              <a:t>1/31/23</a:t>
+              <a:t>2/1/2023</a:t>
             </a:fld>
             <a:endParaRPr lang="en-US"/>
           </a:p>
@@ -417,7 +421,7 @@
           <a:p>
             <a:fld id="{0924684C-FCB7-4A1B-B96B-A0E940A29DFA}" type="datetimeFigureOut">
               <a:rPr lang="en-US" smtClean="0"/>
-              <a:t>1/31/23</a:t>
+              <a:t>2/1/2023</a:t>
             </a:fld>
             <a:endParaRPr lang="en-US"/>
           </a:p>
@@ -597,7 +601,7 @@
           <a:p>
             <a:fld id="{0924684C-FCB7-4A1B-B96B-A0E940A29DFA}" type="datetimeFigureOut">
               <a:rPr lang="en-US" smtClean="0"/>
-              <a:t>1/31/23</a:t>
+              <a:t>2/1/2023</a:t>
             </a:fld>
             <a:endParaRPr lang="en-US"/>
           </a:p>
@@ -767,7 +771,7 @@
           <a:p>
             <a:fld id="{0924684C-FCB7-4A1B-B96B-A0E940A29DFA}" type="datetimeFigureOut">
               <a:rPr lang="en-US" smtClean="0"/>
-              <a:t>1/31/23</a:t>
+              <a:t>2/1/2023</a:t>
             </a:fld>
             <a:endParaRPr lang="en-US"/>
           </a:p>
@@ -1011,7 +1015,7 @@
           <a:p>
             <a:fld id="{0924684C-FCB7-4A1B-B96B-A0E940A29DFA}" type="datetimeFigureOut">
               <a:rPr lang="en-US" smtClean="0"/>
-              <a:t>1/31/23</a:t>
+              <a:t>2/1/2023</a:t>
             </a:fld>
             <a:endParaRPr lang="en-US"/>
           </a:p>
@@ -1243,7 +1247,7 @@
           <a:p>
             <a:fld id="{0924684C-FCB7-4A1B-B96B-A0E940A29DFA}" type="datetimeFigureOut">
               <a:rPr lang="en-US" smtClean="0"/>
-              <a:t>1/31/23</a:t>
+              <a:t>2/1/2023</a:t>
             </a:fld>
             <a:endParaRPr lang="en-US"/>
           </a:p>
@@ -1610,7 +1614,7 @@
           <a:p>
             <a:fld id="{0924684C-FCB7-4A1B-B96B-A0E940A29DFA}" type="datetimeFigureOut">
               <a:rPr lang="en-US" smtClean="0"/>
-              <a:t>1/31/23</a:t>
+              <a:t>2/1/2023</a:t>
             </a:fld>
             <a:endParaRPr lang="en-US"/>
           </a:p>
@@ -1728,7 +1732,7 @@
           <a:p>
             <a:fld id="{0924684C-FCB7-4A1B-B96B-A0E940A29DFA}" type="datetimeFigureOut">
               <a:rPr lang="en-US" smtClean="0"/>
-              <a:t>1/31/23</a:t>
+              <a:t>2/1/2023</a:t>
             </a:fld>
             <a:endParaRPr lang="en-US"/>
           </a:p>
@@ -1823,7 +1827,7 @@
           <a:p>
             <a:fld id="{0924684C-FCB7-4A1B-B96B-A0E940A29DFA}" type="datetimeFigureOut">
               <a:rPr lang="en-US" smtClean="0"/>
-              <a:t>1/31/23</a:t>
+              <a:t>2/1/2023</a:t>
             </a:fld>
             <a:endParaRPr lang="en-US"/>
           </a:p>
@@ -2100,7 +2104,7 @@
           <a:p>
             <a:fld id="{0924684C-FCB7-4A1B-B96B-A0E940A29DFA}" type="datetimeFigureOut">
               <a:rPr lang="en-US" smtClean="0"/>
-              <a:t>1/31/23</a:t>
+              <a:t>2/1/2023</a:t>
             </a:fld>
             <a:endParaRPr lang="en-US"/>
           </a:p>
@@ -2357,7 +2361,7 @@
           <a:p>
             <a:fld id="{0924684C-FCB7-4A1B-B96B-A0E940A29DFA}" type="datetimeFigureOut">
               <a:rPr lang="en-US" smtClean="0"/>
-              <a:t>1/31/23</a:t>
+              <a:t>2/1/2023</a:t>
             </a:fld>
             <a:endParaRPr lang="en-US"/>
           </a:p>
@@ -2570,7 +2574,7 @@
           <a:p>
             <a:fld id="{0924684C-FCB7-4A1B-B96B-A0E940A29DFA}" type="datetimeFigureOut">
               <a:rPr lang="en-US" smtClean="0"/>
-              <a:t>1/31/23</a:t>
+              <a:t>2/1/2023</a:t>
             </a:fld>
             <a:endParaRPr lang="en-US"/>
           </a:p>
@@ -4971,8 +4975,8 @@
           <a:chExt cx="0" cy="0"/>
         </a:xfrm>
       </p:grpSpPr>
-      <mc:AlternateContent xmlns:mc="http://schemas.openxmlformats.org/markup-compatibility/2006" xmlns:a14="http://schemas.microsoft.com/office/drawing/2010/main">
-        <mc:Choice Requires="a14">
+      <mc:AlternateContent xmlns:mc="http://schemas.openxmlformats.org/markup-compatibility/2006">
+        <mc:Choice xmlns:a14="http://schemas.microsoft.com/office/drawing/2010/main" Requires="a14">
           <p:sp>
             <p:nvSpPr>
               <p:cNvPr id="6" name="Content Placeholder 5"/>
@@ -5308,7 +5312,7 @@
                 </a:r>
                 <a:r>
                   <a:rPr lang="en-US" dirty="0"/>
-                  <a:t>= variable, y = year, T = reference period (2000-2022?)</a:t>
+                  <a:t>= variable, y = year, T = reference period (2000-2014)</a:t>
                 </a:r>
               </a:p>
               <a:p>
@@ -5622,7 +5626,7 @@
             </p:txBody>
           </p:sp>
         </mc:Choice>
-        <mc:Fallback xmlns="">
+        <mc:Fallback>
           <p:sp>
             <p:nvSpPr>
               <p:cNvPr id="6" name="Content Placeholder 5"/>
@@ -5637,7 +5641,7 @@
               <a:blipFill>
                 <a:blip r:embed="rId2"/>
                 <a:stretch>
-                  <a:fillRect l="-1159" r="-1082" b="-3782"/>
+                  <a:fillRect l="-1159" b="-2661"/>
                 </a:stretch>
               </a:blipFill>
             </p:spPr>
@@ -5960,6 +5964,688 @@
     <p:extLst>
       <p:ext uri="{BB962C8B-B14F-4D97-AF65-F5344CB8AC3E}">
         <p14:creationId xmlns:p14="http://schemas.microsoft.com/office/powerpoint/2010/main" val="1439827026"/>
+      </p:ext>
+    </p:extLst>
+  </p:cSld>
+  <p:clrMapOvr>
+    <a:masterClrMapping/>
+  </p:clrMapOvr>
+</p:sld>
+</file>
+
+<file path=ppt/slides/slide6.xml><?xml version="1.0" encoding="utf-8"?>
+<p:sld xmlns:a="http://schemas.openxmlformats.org/drawingml/2006/main" xmlns:r="http://schemas.openxmlformats.org/officeDocument/2006/relationships" xmlns:p="http://schemas.openxmlformats.org/presentationml/2006/main">
+  <p:cSld>
+    <p:spTree>
+      <p:nvGrpSpPr>
+        <p:cNvPr id="1" name=""/>
+        <p:cNvGrpSpPr/>
+        <p:nvPr/>
+      </p:nvGrpSpPr>
+      <p:grpSpPr>
+        <a:xfrm>
+          <a:off x="0" y="0"/>
+          <a:ext cx="0" cy="0"/>
+          <a:chOff x="0" y="0"/>
+          <a:chExt cx="0" cy="0"/>
+        </a:xfrm>
+      </p:grpSpPr>
+      <p:sp>
+        <p:nvSpPr>
+          <p:cNvPr id="2" name="Title 1">
+            <a:extLst>
+              <a:ext uri="{FF2B5EF4-FFF2-40B4-BE49-F238E27FC236}">
+                <a16:creationId xmlns:a16="http://schemas.microsoft.com/office/drawing/2014/main" id="{B79B9349-30EF-9194-1EC6-56BDC9C84D55}"/>
+              </a:ext>
+            </a:extLst>
+          </p:cNvPr>
+          <p:cNvSpPr>
+            <a:spLocks noGrp="1"/>
+          </p:cNvSpPr>
+          <p:nvPr>
+            <p:ph type="title"/>
+          </p:nvPr>
+        </p:nvSpPr>
+        <p:spPr/>
+        <p:txBody>
+          <a:bodyPr/>
+          <a:lstStyle/>
+          <a:p>
+            <a:r>
+              <a:rPr lang="en-US" b="1" dirty="0"/>
+              <a:t>pH from ESM output (</a:t>
+            </a:r>
+            <a:r>
+              <a:rPr lang="en-US" b="1" dirty="0" err="1"/>
+              <a:t>Pcod</a:t>
+            </a:r>
+            <a:r>
+              <a:rPr lang="en-US" b="1" dirty="0"/>
+              <a:t>)</a:t>
+            </a:r>
+          </a:p>
+        </p:txBody>
+      </p:sp>
+      <p:sp>
+        <p:nvSpPr>
+          <p:cNvPr id="3" name="Content Placeholder 2">
+            <a:extLst>
+              <a:ext uri="{FF2B5EF4-FFF2-40B4-BE49-F238E27FC236}">
+                <a16:creationId xmlns:a16="http://schemas.microsoft.com/office/drawing/2014/main" id="{CAC60471-464B-F9C8-DE09-497627937AB5}"/>
+              </a:ext>
+            </a:extLst>
+          </p:cNvPr>
+          <p:cNvSpPr>
+            <a:spLocks noGrp="1"/>
+          </p:cNvSpPr>
+          <p:nvPr>
+            <p:ph idx="1"/>
+          </p:nvPr>
+        </p:nvSpPr>
+        <p:spPr>
+          <a:xfrm>
+            <a:off x="628650" y="1405495"/>
+            <a:ext cx="7886700" cy="4351338"/>
+          </a:xfrm>
+        </p:spPr>
+        <p:txBody>
+          <a:bodyPr>
+            <a:normAutofit/>
+          </a:bodyPr>
+          <a:lstStyle/>
+          <a:p>
+            <a:r>
+              <a:rPr lang="en-US" sz="2400" dirty="0"/>
+              <a:t>Surface and bottom pH from GFDL</a:t>
+            </a:r>
+          </a:p>
+          <a:p>
+            <a:pPr lvl="1"/>
+            <a:r>
+              <a:rPr lang="en-US" sz="2000" dirty="0"/>
+              <a:t>historical</a:t>
+            </a:r>
+          </a:p>
+          <a:p>
+            <a:pPr lvl="1"/>
+            <a:r>
+              <a:rPr lang="en-US" sz="2000" dirty="0"/>
+              <a:t>SSP-126</a:t>
+            </a:r>
+          </a:p>
+          <a:p>
+            <a:pPr lvl="1"/>
+            <a:r>
+              <a:rPr lang="en-US" sz="2000" dirty="0"/>
+              <a:t>SSP-585</a:t>
+            </a:r>
+          </a:p>
+          <a:p>
+            <a:pPr marL="0" indent="0">
+              <a:buNone/>
+            </a:pPr>
+            <a:r>
+              <a:rPr lang="en-US" sz="2400" dirty="0"/>
+              <a:t>Surface and bottom: shallowest and deepest slice of ESM, respectively</a:t>
+            </a:r>
+          </a:p>
+          <a:p>
+            <a:pPr marL="0" indent="0">
+              <a:buNone/>
+            </a:pPr>
+            <a:endParaRPr lang="en-US" sz="2400" dirty="0"/>
+          </a:p>
+        </p:txBody>
+      </p:sp>
+      <p:pic>
+        <p:nvPicPr>
+          <p:cNvPr id="4" name="Picture 2" descr="GFDL grid">
+            <a:extLst>
+              <a:ext uri="{FF2B5EF4-FFF2-40B4-BE49-F238E27FC236}">
+                <a16:creationId xmlns:a16="http://schemas.microsoft.com/office/drawing/2014/main" id="{0D508EDB-36B8-C628-30D9-A35099FD2390}"/>
+              </a:ext>
+            </a:extLst>
+          </p:cNvPr>
+          <p:cNvPicPr>
+            <a:picLocks noChangeAspect="1" noChangeArrowheads="1"/>
+          </p:cNvPicPr>
+          <p:nvPr/>
+        </p:nvPicPr>
+        <p:blipFill rotWithShape="1">
+          <a:blip r:embed="rId2">
+            <a:extLst>
+              <a:ext uri="{28A0092B-C50C-407E-A947-70E740481C1C}">
+                <a14:useLocalDpi xmlns:a14="http://schemas.microsoft.com/office/drawing/2010/main" val="0"/>
+              </a:ext>
+            </a:extLst>
+          </a:blip>
+          <a:srcRect t="25004" b="24140"/>
+          <a:stretch/>
+        </p:blipFill>
+        <p:spPr bwMode="auto">
+          <a:xfrm>
+            <a:off x="743980" y="3748216"/>
+            <a:ext cx="8112491" cy="3109784"/>
+          </a:xfrm>
+          <a:prstGeom prst="rect">
+            <a:avLst/>
+          </a:prstGeom>
+          <a:noFill/>
+          <a:extLst>
+            <a:ext uri="{909E8E84-426E-40DD-AFC4-6F175D3DCCD1}">
+              <a14:hiddenFill xmlns:a14="http://schemas.microsoft.com/office/drawing/2010/main">
+                <a:solidFill>
+                  <a:srgbClr val="FFFFFF"/>
+                </a:solidFill>
+              </a14:hiddenFill>
+            </a:ext>
+          </a:extLst>
+        </p:spPr>
+      </p:pic>
+    </p:spTree>
+    <p:extLst>
+      <p:ext uri="{BB962C8B-B14F-4D97-AF65-F5344CB8AC3E}">
+        <p14:creationId xmlns:p14="http://schemas.microsoft.com/office/powerpoint/2010/main" val="3343241676"/>
+      </p:ext>
+    </p:extLst>
+  </p:cSld>
+  <p:clrMapOvr>
+    <a:masterClrMapping/>
+  </p:clrMapOvr>
+</p:sld>
+</file>
+
+<file path=ppt/slides/slide7.xml><?xml version="1.0" encoding="utf-8"?>
+<p:sld xmlns:a="http://schemas.openxmlformats.org/drawingml/2006/main" xmlns:r="http://schemas.openxmlformats.org/officeDocument/2006/relationships" xmlns:p="http://schemas.openxmlformats.org/presentationml/2006/main">
+  <p:cSld>
+    <p:spTree>
+      <p:nvGrpSpPr>
+        <p:cNvPr id="1" name=""/>
+        <p:cNvGrpSpPr/>
+        <p:nvPr/>
+      </p:nvGrpSpPr>
+      <p:grpSpPr>
+        <a:xfrm>
+          <a:off x="0" y="0"/>
+          <a:ext cx="0" cy="0"/>
+          <a:chOff x="0" y="0"/>
+          <a:chExt cx="0" cy="0"/>
+        </a:xfrm>
+      </p:grpSpPr>
+      <p:pic>
+        <p:nvPicPr>
+          <p:cNvPr id="5" name="Picture 4">
+            <a:extLst>
+              <a:ext uri="{FF2B5EF4-FFF2-40B4-BE49-F238E27FC236}">
+                <a16:creationId xmlns:a16="http://schemas.microsoft.com/office/drawing/2014/main" id="{92C60D5B-CA7E-A5CD-0140-C8669199EA7A}"/>
+              </a:ext>
+            </a:extLst>
+          </p:cNvPr>
+          <p:cNvPicPr>
+            <a:picLocks noChangeAspect="1"/>
+          </p:cNvPicPr>
+          <p:nvPr/>
+        </p:nvPicPr>
+        <p:blipFill>
+          <a:blip r:embed="rId2"/>
+          <a:stretch>
+            <a:fillRect/>
+          </a:stretch>
+        </p:blipFill>
+        <p:spPr>
+          <a:xfrm>
+            <a:off x="293473" y="997678"/>
+            <a:ext cx="8850527" cy="5341337"/>
+          </a:xfrm>
+          <a:prstGeom prst="rect">
+            <a:avLst/>
+          </a:prstGeom>
+        </p:spPr>
+      </p:pic>
+    </p:spTree>
+    <p:extLst>
+      <p:ext uri="{BB962C8B-B14F-4D97-AF65-F5344CB8AC3E}">
+        <p14:creationId xmlns:p14="http://schemas.microsoft.com/office/powerpoint/2010/main" val="2445927085"/>
+      </p:ext>
+    </p:extLst>
+  </p:cSld>
+  <p:clrMapOvr>
+    <a:masterClrMapping/>
+  </p:clrMapOvr>
+</p:sld>
+</file>
+
+<file path=ppt/slides/slide8.xml><?xml version="1.0" encoding="utf-8"?>
+<p:sld xmlns:a="http://schemas.openxmlformats.org/drawingml/2006/main" xmlns:r="http://schemas.openxmlformats.org/officeDocument/2006/relationships" xmlns:p="http://schemas.openxmlformats.org/presentationml/2006/main">
+  <p:cSld>
+    <p:spTree>
+      <p:nvGrpSpPr>
+        <p:cNvPr id="1" name=""/>
+        <p:cNvGrpSpPr/>
+        <p:nvPr/>
+      </p:nvGrpSpPr>
+      <p:grpSpPr>
+        <a:xfrm>
+          <a:off x="0" y="0"/>
+          <a:ext cx="0" cy="0"/>
+          <a:chOff x="0" y="0"/>
+          <a:chExt cx="0" cy="0"/>
+        </a:xfrm>
+      </p:grpSpPr>
+      <p:sp>
+        <p:nvSpPr>
+          <p:cNvPr id="2" name="Title 1">
+            <a:extLst>
+              <a:ext uri="{FF2B5EF4-FFF2-40B4-BE49-F238E27FC236}">
+                <a16:creationId xmlns:a16="http://schemas.microsoft.com/office/drawing/2014/main" id="{75AED088-2364-5DE5-252A-E90B00A77C4B}"/>
+              </a:ext>
+            </a:extLst>
+          </p:cNvPr>
+          <p:cNvSpPr>
+            <a:spLocks noGrp="1"/>
+          </p:cNvSpPr>
+          <p:nvPr>
+            <p:ph type="title"/>
+          </p:nvPr>
+        </p:nvSpPr>
+        <p:spPr>
+          <a:xfrm>
+            <a:off x="562747" y="102331"/>
+            <a:ext cx="7886700" cy="1325563"/>
+          </a:xfrm>
+        </p:spPr>
+        <p:txBody>
+          <a:bodyPr/>
+          <a:lstStyle/>
+          <a:p>
+            <a:r>
+              <a:rPr lang="en-US" dirty="0"/>
+              <a:t>Some issues / caveats</a:t>
+            </a:r>
+          </a:p>
+        </p:txBody>
+      </p:sp>
+      <p:pic>
+        <p:nvPicPr>
+          <p:cNvPr id="3074" name="Picture 2">
+            <a:extLst>
+              <a:ext uri="{FF2B5EF4-FFF2-40B4-BE49-F238E27FC236}">
+                <a16:creationId xmlns:a16="http://schemas.microsoft.com/office/drawing/2014/main" id="{CBE8E16C-E79F-2101-09DE-8DAFC81761D6}"/>
+              </a:ext>
+            </a:extLst>
+          </p:cNvPr>
+          <p:cNvPicPr>
+            <a:picLocks noChangeAspect="1" noChangeArrowheads="1"/>
+          </p:cNvPicPr>
+          <p:nvPr/>
+        </p:nvPicPr>
+        <p:blipFill rotWithShape="1">
+          <a:blip r:embed="rId2" cstate="print">
+            <a:extLst>
+              <a:ext uri="{28A0092B-C50C-407E-A947-70E740481C1C}">
+                <a14:useLocalDpi xmlns:a14="http://schemas.microsoft.com/office/drawing/2010/main" val="0"/>
+              </a:ext>
+            </a:extLst>
+          </a:blip>
+          <a:srcRect t="83509"/>
+          <a:stretch/>
+        </p:blipFill>
+        <p:spPr bwMode="auto">
+          <a:xfrm>
+            <a:off x="31667" y="2427698"/>
+            <a:ext cx="6872240" cy="2266542"/>
+          </a:xfrm>
+          <a:prstGeom prst="rect">
+            <a:avLst/>
+          </a:prstGeom>
+          <a:noFill/>
+          <a:extLst>
+            <a:ext uri="{909E8E84-426E-40DD-AFC4-6F175D3DCCD1}">
+              <a14:hiddenFill xmlns:a14="http://schemas.microsoft.com/office/drawing/2010/main">
+                <a:solidFill>
+                  <a:srgbClr val="FFFFFF"/>
+                </a:solidFill>
+              </a14:hiddenFill>
+            </a:ext>
+          </a:extLst>
+        </p:spPr>
+      </p:pic>
+      <p:pic>
+        <p:nvPicPr>
+          <p:cNvPr id="3076" name="Picture 4">
+            <a:extLst>
+              <a:ext uri="{FF2B5EF4-FFF2-40B4-BE49-F238E27FC236}">
+                <a16:creationId xmlns:a16="http://schemas.microsoft.com/office/drawing/2014/main" id="{E0431732-6B49-6A4E-4D48-42A84E595BEB}"/>
+              </a:ext>
+            </a:extLst>
+          </p:cNvPr>
+          <p:cNvPicPr>
+            <a:picLocks noChangeAspect="1" noChangeArrowheads="1"/>
+          </p:cNvPicPr>
+          <p:nvPr/>
+        </p:nvPicPr>
+        <p:blipFill rotWithShape="1">
+          <a:blip r:embed="rId3" cstate="print">
+            <a:extLst>
+              <a:ext uri="{28A0092B-C50C-407E-A947-70E740481C1C}">
+                <a14:useLocalDpi xmlns:a14="http://schemas.microsoft.com/office/drawing/2010/main" val="0"/>
+              </a:ext>
+            </a:extLst>
+          </a:blip>
+          <a:srcRect t="83603"/>
+          <a:stretch/>
+        </p:blipFill>
+        <p:spPr bwMode="auto">
+          <a:xfrm>
+            <a:off x="0" y="4593969"/>
+            <a:ext cx="6903907" cy="2264031"/>
+          </a:xfrm>
+          <a:prstGeom prst="rect">
+            <a:avLst/>
+          </a:prstGeom>
+          <a:noFill/>
+          <a:extLst>
+            <a:ext uri="{909E8E84-426E-40DD-AFC4-6F175D3DCCD1}">
+              <a14:hiddenFill xmlns:a14="http://schemas.microsoft.com/office/drawing/2010/main">
+                <a:solidFill>
+                  <a:srgbClr val="FFFFFF"/>
+                </a:solidFill>
+              </a14:hiddenFill>
+            </a:ext>
+          </a:extLst>
+        </p:spPr>
+      </p:pic>
+      <p:sp>
+        <p:nvSpPr>
+          <p:cNvPr id="4" name="TextBox 3">
+            <a:extLst>
+              <a:ext uri="{FF2B5EF4-FFF2-40B4-BE49-F238E27FC236}">
+                <a16:creationId xmlns:a16="http://schemas.microsoft.com/office/drawing/2014/main" id="{5CDC87DC-C846-BE09-56C8-B76837C7E3C0}"/>
+              </a:ext>
+            </a:extLst>
+          </p:cNvPr>
+          <p:cNvSpPr txBox="1"/>
+          <p:nvPr/>
+        </p:nvSpPr>
+        <p:spPr>
+          <a:xfrm>
+            <a:off x="6250311" y="5299674"/>
+            <a:ext cx="1085041" cy="369332"/>
+          </a:xfrm>
+          <a:prstGeom prst="rect">
+            <a:avLst/>
+          </a:prstGeom>
+          <a:noFill/>
+        </p:spPr>
+        <p:txBody>
+          <a:bodyPr wrap="none" rtlCol="0">
+            <a:spAutoFit/>
+          </a:bodyPr>
+          <a:lstStyle/>
+          <a:p>
+            <a:r>
+              <a:rPr lang="en-US" dirty="0" err="1"/>
+              <a:t>Prod_PhS</a:t>
+            </a:r>
+            <a:endParaRPr lang="en-US" dirty="0"/>
+          </a:p>
+        </p:txBody>
+      </p:sp>
+      <p:sp>
+        <p:nvSpPr>
+          <p:cNvPr id="5" name="TextBox 4">
+            <a:extLst>
+              <a:ext uri="{FF2B5EF4-FFF2-40B4-BE49-F238E27FC236}">
+                <a16:creationId xmlns:a16="http://schemas.microsoft.com/office/drawing/2014/main" id="{AFE6F64F-F94A-F103-0D6F-F35464E3A190}"/>
+              </a:ext>
+            </a:extLst>
+          </p:cNvPr>
+          <p:cNvSpPr txBox="1"/>
+          <p:nvPr/>
+        </p:nvSpPr>
+        <p:spPr>
+          <a:xfrm>
+            <a:off x="6495313" y="3244334"/>
+            <a:ext cx="595035" cy="369332"/>
+          </a:xfrm>
+          <a:prstGeom prst="rect">
+            <a:avLst/>
+          </a:prstGeom>
+          <a:noFill/>
+        </p:spPr>
+        <p:txBody>
+          <a:bodyPr wrap="none" rtlCol="0">
+            <a:spAutoFit/>
+          </a:bodyPr>
+          <a:lstStyle/>
+          <a:p>
+            <a:r>
+              <a:rPr lang="en-US" dirty="0"/>
+              <a:t>MZS</a:t>
+            </a:r>
+          </a:p>
+        </p:txBody>
+      </p:sp>
+      <p:sp>
+        <p:nvSpPr>
+          <p:cNvPr id="6" name="Content Placeholder 2">
+            <a:extLst>
+              <a:ext uri="{FF2B5EF4-FFF2-40B4-BE49-F238E27FC236}">
+                <a16:creationId xmlns:a16="http://schemas.microsoft.com/office/drawing/2014/main" id="{F82B4C02-BD70-1F53-8F06-DC090B066B94}"/>
+              </a:ext>
+            </a:extLst>
+          </p:cNvPr>
+          <p:cNvSpPr>
+            <a:spLocks noGrp="1"/>
+          </p:cNvSpPr>
+          <p:nvPr>
+            <p:ph idx="1"/>
+          </p:nvPr>
+        </p:nvSpPr>
+        <p:spPr>
+          <a:xfrm>
+            <a:off x="562747" y="1116558"/>
+            <a:ext cx="7886700" cy="4351338"/>
+          </a:xfrm>
+        </p:spPr>
+        <p:txBody>
+          <a:bodyPr>
+            <a:normAutofit/>
+          </a:bodyPr>
+          <a:lstStyle/>
+          <a:p>
+            <a:pPr marL="0" indent="0">
+              <a:buNone/>
+            </a:pPr>
+            <a:r>
+              <a:rPr lang="en-US" sz="2400" dirty="0"/>
+              <a:t>ROMS:</a:t>
+            </a:r>
+          </a:p>
+          <a:p>
+            <a:r>
+              <a:rPr lang="en-US" sz="2400" dirty="0"/>
+              <a:t>Hindcast: around 2014 something changes for some vars</a:t>
+            </a:r>
+          </a:p>
+          <a:p>
+            <a:r>
+              <a:rPr lang="en-US" sz="2400" dirty="0"/>
+              <a:t>Not visible in historical runs or projections</a:t>
+            </a:r>
+          </a:p>
+          <a:p>
+            <a:pPr marL="0" indent="0">
+              <a:buNone/>
+            </a:pPr>
+            <a:endParaRPr lang="en-US" sz="2400" dirty="0"/>
+          </a:p>
+        </p:txBody>
+      </p:sp>
+    </p:spTree>
+    <p:extLst>
+      <p:ext uri="{BB962C8B-B14F-4D97-AF65-F5344CB8AC3E}">
+        <p14:creationId xmlns:p14="http://schemas.microsoft.com/office/powerpoint/2010/main" val="2303951966"/>
+      </p:ext>
+    </p:extLst>
+  </p:cSld>
+  <p:clrMapOvr>
+    <a:masterClrMapping/>
+  </p:clrMapOvr>
+</p:sld>
+</file>
+
+<file path=ppt/slides/slide9.xml><?xml version="1.0" encoding="utf-8"?>
+<p:sld xmlns:a="http://schemas.openxmlformats.org/drawingml/2006/main" xmlns:r="http://schemas.openxmlformats.org/officeDocument/2006/relationships" xmlns:p="http://schemas.openxmlformats.org/presentationml/2006/main">
+  <p:cSld>
+    <p:spTree>
+      <p:nvGrpSpPr>
+        <p:cNvPr id="1" name=""/>
+        <p:cNvGrpSpPr/>
+        <p:nvPr/>
+      </p:nvGrpSpPr>
+      <p:grpSpPr>
+        <a:xfrm>
+          <a:off x="0" y="0"/>
+          <a:ext cx="0" cy="0"/>
+          <a:chOff x="0" y="0"/>
+          <a:chExt cx="0" cy="0"/>
+        </a:xfrm>
+      </p:grpSpPr>
+      <p:sp>
+        <p:nvSpPr>
+          <p:cNvPr id="2" name="Title 1">
+            <a:extLst>
+              <a:ext uri="{FF2B5EF4-FFF2-40B4-BE49-F238E27FC236}">
+                <a16:creationId xmlns:a16="http://schemas.microsoft.com/office/drawing/2014/main" id="{FB31B14F-ADDA-476A-4C1F-4382A796BD77}"/>
+              </a:ext>
+            </a:extLst>
+          </p:cNvPr>
+          <p:cNvSpPr>
+            <a:spLocks noGrp="1"/>
+          </p:cNvSpPr>
+          <p:nvPr>
+            <p:ph type="title"/>
+          </p:nvPr>
+        </p:nvSpPr>
+        <p:spPr>
+          <a:xfrm>
+            <a:off x="562747" y="134466"/>
+            <a:ext cx="7886700" cy="714031"/>
+          </a:xfrm>
+        </p:spPr>
+        <p:txBody>
+          <a:bodyPr/>
+          <a:lstStyle/>
+          <a:p>
+            <a:r>
+              <a:rPr lang="en-US" dirty="0"/>
+              <a:t>Some issues / caveats</a:t>
+            </a:r>
+          </a:p>
+        </p:txBody>
+      </p:sp>
+      <p:sp>
+        <p:nvSpPr>
+          <p:cNvPr id="4" name="Content Placeholder 2">
+            <a:extLst>
+              <a:ext uri="{FF2B5EF4-FFF2-40B4-BE49-F238E27FC236}">
+                <a16:creationId xmlns:a16="http://schemas.microsoft.com/office/drawing/2014/main" id="{54A38736-EFF6-C469-0DBB-825B11AB5109}"/>
+              </a:ext>
+            </a:extLst>
+          </p:cNvPr>
+          <p:cNvSpPr>
+            <a:spLocks noGrp="1"/>
+          </p:cNvSpPr>
+          <p:nvPr>
+            <p:ph idx="1"/>
+          </p:nvPr>
+        </p:nvSpPr>
+        <p:spPr>
+          <a:xfrm>
+            <a:off x="562747" y="737617"/>
+            <a:ext cx="7886700" cy="4351338"/>
+          </a:xfrm>
+        </p:spPr>
+        <p:txBody>
+          <a:bodyPr>
+            <a:normAutofit/>
+          </a:bodyPr>
+          <a:lstStyle/>
+          <a:p>
+            <a:pPr marL="0" indent="0">
+              <a:buNone/>
+            </a:pPr>
+            <a:r>
+              <a:rPr lang="en-US" sz="1800" dirty="0"/>
+              <a:t>ESM:</a:t>
+            </a:r>
+          </a:p>
+          <a:p>
+            <a:r>
+              <a:rPr lang="en-US" sz="1800" dirty="0"/>
+              <a:t>Bottom pH very different between ESMs</a:t>
+            </a:r>
+          </a:p>
+          <a:p>
+            <a:r>
+              <a:rPr lang="en-US" sz="1800" dirty="0"/>
+              <a:t>Possibly due to different vertical structure (or I am grabbing the wrong data…)</a:t>
+            </a:r>
+          </a:p>
+        </p:txBody>
+      </p:sp>
+      <p:pic>
+        <p:nvPicPr>
+          <p:cNvPr id="5122" name="Picture 2">
+            <a:extLst>
+              <a:ext uri="{FF2B5EF4-FFF2-40B4-BE49-F238E27FC236}">
+                <a16:creationId xmlns:a16="http://schemas.microsoft.com/office/drawing/2014/main" id="{F86D3972-2076-7949-C1EF-9CD7151BAAB1}"/>
+              </a:ext>
+            </a:extLst>
+          </p:cNvPr>
+          <p:cNvPicPr>
+            <a:picLocks noChangeAspect="1" noChangeArrowheads="1"/>
+          </p:cNvPicPr>
+          <p:nvPr/>
+        </p:nvPicPr>
+        <p:blipFill>
+          <a:blip r:embed="rId2">
+            <a:extLst>
+              <a:ext uri="{28A0092B-C50C-407E-A947-70E740481C1C}">
+                <a14:useLocalDpi xmlns:a14="http://schemas.microsoft.com/office/drawing/2010/main" val="0"/>
+              </a:ext>
+            </a:extLst>
+          </a:blip>
+          <a:srcRect/>
+          <a:stretch>
+            <a:fillRect/>
+          </a:stretch>
+        </p:blipFill>
+        <p:spPr bwMode="auto">
+          <a:xfrm>
+            <a:off x="1656449" y="1949014"/>
+            <a:ext cx="6334254" cy="4774520"/>
+          </a:xfrm>
+          <a:prstGeom prst="rect">
+            <a:avLst/>
+          </a:prstGeom>
+          <a:noFill/>
+          <a:extLst>
+            <a:ext uri="{909E8E84-426E-40DD-AFC4-6F175D3DCCD1}">
+              <a14:hiddenFill xmlns:a14="http://schemas.microsoft.com/office/drawing/2010/main">
+                <a:solidFill>
+                  <a:srgbClr val="FFFFFF"/>
+                </a:solidFill>
+              </a14:hiddenFill>
+            </a:ext>
+          </a:extLst>
+        </p:spPr>
+      </p:pic>
+    </p:spTree>
+    <p:extLst>
+      <p:ext uri="{BB962C8B-B14F-4D97-AF65-F5344CB8AC3E}">
+        <p14:creationId xmlns:p14="http://schemas.microsoft.com/office/powerpoint/2010/main" val="1807541081"/>
       </p:ext>
     </p:extLst>
   </p:cSld>
